--- a/OOP/lectures/050--Polymorphism.pptx
+++ b/OOP/lectures/050--Polymorphism.pptx
@@ -379,7 +379,7 @@
         <p:nvSpPr>
           <p:cNvPr id="8196" name="Rectangle 4"/>
           <p:cNvSpPr>
-            <a:spLocks noRot="1" noChangeArrowheads="1" noTextEdit="1"/>
+            <a:spLocks noGrp="1" noRot="1" noChangeAspect="1" noChangeArrowheads="1" noTextEdit="1"/>
           </p:cNvSpPr>
           <p:nvPr>
             <p:ph type="sldImg" idx="2"/>
@@ -1058,7 +1058,7 @@
               <a:pPr>
                 <a:defRPr/>
               </a:pPr>
-              <a:t>10/28/2017</a:t>
+              <a:t>11/5/2017</a:t>
             </a:fld>
             <a:endParaRPr lang="en-US" altLang="en-US"/>
           </a:p>
@@ -1292,7 +1292,7 @@
               <a:pPr>
                 <a:defRPr/>
               </a:pPr>
-              <a:t>10/28/2017</a:t>
+              <a:t>11/5/2017</a:t>
             </a:fld>
             <a:endParaRPr lang="en-US" altLang="en-US"/>
           </a:p>
@@ -2165,7 +2165,7 @@
               <a:pPr>
                 <a:defRPr/>
               </a:pPr>
-              <a:t>10/28/2017</a:t>
+              <a:t>11/5/2017</a:t>
             </a:fld>
             <a:endParaRPr lang="en-US" altLang="en-US"/>
           </a:p>
@@ -2314,7 +2314,7 @@
               <a:pPr>
                 <a:defRPr/>
               </a:pPr>
-              <a:t>10/28/2017</a:t>
+              <a:t>11/5/2017</a:t>
             </a:fld>
             <a:endParaRPr lang="en-US" altLang="en-US"/>
           </a:p>
@@ -2645,7 +2645,7 @@
               <a:pPr>
                 <a:defRPr/>
               </a:pPr>
-              <a:t>10/28/2017</a:t>
+              <a:t>11/5/2017</a:t>
             </a:fld>
             <a:endParaRPr lang="en-US" altLang="en-US"/>
           </a:p>
@@ -2953,7 +2953,7 @@
               <a:pPr>
                 <a:defRPr/>
               </a:pPr>
-              <a:t>10/28/2017</a:t>
+              <a:t>11/5/2017</a:t>
             </a:fld>
             <a:endParaRPr lang="en-US" altLang="en-US"/>
           </a:p>
@@ -10826,60 +10826,6 @@
           </a:p>
         </p:txBody>
       </p:sp>
-      <p:pic>
-        <p:nvPicPr>
-          <p:cNvPr id="59396" name="Picture 3"/>
-          <p:cNvPicPr>
-            <a:picLocks noChangeAspect="1"/>
-          </p:cNvPicPr>
-          <p:nvPr/>
-        </p:nvPicPr>
-        <p:blipFill>
-          <a:blip r:embed="rId2">
-            <a:extLst>
-              <a:ext uri="{28A0092B-C50C-407E-A947-70E740481C1C}">
-                <a14:useLocalDpi xmlns:a14="http://schemas.microsoft.com/office/drawing/2010/main" val="0"/>
-              </a:ext>
-            </a:extLst>
-          </a:blip>
-          <a:srcRect/>
-          <a:stretch>
-            <a:fillRect/>
-          </a:stretch>
-        </p:blipFill>
-        <p:spPr bwMode="auto">
-          <a:xfrm>
-            <a:off x="685800" y="1524000"/>
-            <a:ext cx="4157663" cy="5243513"/>
-          </a:xfrm>
-          <a:prstGeom prst="rect">
-            <a:avLst/>
-          </a:prstGeom>
-          <a:noFill/>
-          <a:ln>
-            <a:noFill/>
-          </a:ln>
-          <a:extLst>
-            <a:ext uri="{909E8E84-426E-40DD-AFC4-6F175D3DCCD1}">
-              <a14:hiddenFill xmlns:a14="http://schemas.microsoft.com/office/drawing/2010/main">
-                <a:solidFill>
-                  <a:srgbClr val="FFFFFF"/>
-                </a:solidFill>
-              </a14:hiddenFill>
-            </a:ext>
-            <a:ext uri="{91240B29-F687-4F45-9708-019B960494DF}">
-              <a14:hiddenLine xmlns:a14="http://schemas.microsoft.com/office/drawing/2010/main" w="9525">
-                <a:solidFill>
-                  <a:srgbClr val="000000"/>
-                </a:solidFill>
-                <a:miter lim="800000"/>
-                <a:headEnd/>
-                <a:tailEnd/>
-              </a14:hiddenLine>
-            </a:ext>
-          </a:extLst>
-        </p:spPr>
-      </p:pic>
       <p:sp>
         <p:nvSpPr>
           <p:cNvPr id="59397" name="TextBox 4"/>
@@ -10930,7 +10876,7 @@
                 <a:spcPct val="20000"/>
               </a:spcBef>
               <a:buBlip>
-                <a:blip r:embed="rId3"/>
+                <a:blip r:embed="rId2"/>
               </a:buBlip>
               <a:defRPr sz="3200">
                 <a:solidFill>
@@ -11126,6 +11072,30 @@
           </a:p>
         </p:txBody>
       </p:sp>
+      <p:pic>
+        <p:nvPicPr>
+          <p:cNvPr id="2" name="Picture 1"/>
+          <p:cNvPicPr>
+            <a:picLocks noChangeAspect="1"/>
+          </p:cNvPicPr>
+          <p:nvPr/>
+        </p:nvPicPr>
+        <p:blipFill>
+          <a:blip r:embed="rId3"/>
+          <a:stretch>
+            <a:fillRect/>
+          </a:stretch>
+        </p:blipFill>
+        <p:spPr>
+          <a:xfrm>
+            <a:off x="723900" y="1447800"/>
+            <a:ext cx="4152900" cy="5248275"/>
+          </a:xfrm>
+          <a:prstGeom prst="rect">
+            <a:avLst/>
+          </a:prstGeom>
+        </p:spPr>
+      </p:pic>
     </p:spTree>
   </p:cSld>
   <p:clrMapOvr>
